--- a/kds2021.pptx
+++ b/kds2021.pptx
@@ -153,7 +153,7 @@
 <file path=ppt/revisionInfo.xml><?xml version="1.0" encoding="utf-8"?>
 <p1510:revInfo xmlns:a="http://schemas.openxmlformats.org/drawingml/2006/main" xmlns:r="http://schemas.openxmlformats.org/officeDocument/2006/relationships" xmlns:p1510="http://schemas.microsoft.com/office/powerpoint/2015/10/main">
   <p1510:revLst>
-    <p1510:client id="{85F36A6B-B469-4025-9B77-8E80AFF45045}" v="67" dt="2021-11-09T20:58:45.172"/>
+    <p1510:client id="{85F36A6B-B469-4025-9B77-8E80AFF45045}" v="74" dt="2021-11-12T14:31:43.356"/>
   </p1510:revLst>
 </p1510:revInfo>
 </file>
@@ -163,10 +163,57 @@
   <pc:docChgLst>
     <pc:chgData name="Michał Woźniczak" userId="177149b3705d29c0" providerId="LiveId" clId="{85F36A6B-B469-4025-9B77-8E80AFF45045}"/>
     <pc:docChg chg="undo custSel addSld delSld modSld sldOrd">
-      <pc:chgData name="Michał Woźniczak" userId="177149b3705d29c0" providerId="LiveId" clId="{85F36A6B-B469-4025-9B77-8E80AFF45045}" dt="2021-11-11T14:49:37.801" v="217" actId="1076"/>
+      <pc:chgData name="Michał Woźniczak" userId="177149b3705d29c0" providerId="LiveId" clId="{85F36A6B-B469-4025-9B77-8E80AFF45045}" dt="2021-11-12T14:32:39.123" v="262" actId="1036"/>
       <pc:docMkLst>
         <pc:docMk/>
       </pc:docMkLst>
+      <pc:sldChg chg="addSp modSp mod setBg setFolMasterObjs setClrOvrMap">
+        <pc:chgData name="Michał Woźniczak" userId="177149b3705d29c0" providerId="LiveId" clId="{85F36A6B-B469-4025-9B77-8E80AFF45045}" dt="2021-11-12T14:32:39.123" v="262" actId="1036"/>
+        <pc:sldMkLst>
+          <pc:docMk/>
+          <pc:sldMk cId="0" sldId="256"/>
+        </pc:sldMkLst>
+        <pc:spChg chg="mod">
+          <ac:chgData name="Michał Woźniczak" userId="177149b3705d29c0" providerId="LiveId" clId="{85F36A6B-B469-4025-9B77-8E80AFF45045}" dt="2021-11-12T14:32:39.123" v="262" actId="1036"/>
+          <ac:spMkLst>
+            <pc:docMk/>
+            <pc:sldMk cId="0" sldId="256"/>
+            <ac:spMk id="2" creationId="{00000000-0000-0000-0000-000000000000}"/>
+          </ac:spMkLst>
+        </pc:spChg>
+        <pc:spChg chg="mod">
+          <ac:chgData name="Michał Woźniczak" userId="177149b3705d29c0" providerId="LiveId" clId="{85F36A6B-B469-4025-9B77-8E80AFF45045}" dt="2021-11-12T14:32:39.123" v="262" actId="1036"/>
+          <ac:spMkLst>
+            <pc:docMk/>
+            <pc:sldMk cId="0" sldId="256"/>
+            <ac:spMk id="3" creationId="{00000000-0000-0000-0000-000000000000}"/>
+          </ac:spMkLst>
+        </pc:spChg>
+        <pc:spChg chg="add">
+          <ac:chgData name="Michał Woźniczak" userId="177149b3705d29c0" providerId="LiveId" clId="{85F36A6B-B469-4025-9B77-8E80AFF45045}" dt="2021-11-12T14:29:30.975" v="240" actId="26606"/>
+          <ac:spMkLst>
+            <pc:docMk/>
+            <pc:sldMk cId="0" sldId="256"/>
+            <ac:spMk id="71" creationId="{E49CC64F-7275-4E33-961B-0C5CDC439875}"/>
+          </ac:spMkLst>
+        </pc:spChg>
+        <pc:picChg chg="add mod">
+          <ac:chgData name="Michał Woźniczak" userId="177149b3705d29c0" providerId="LiveId" clId="{85F36A6B-B469-4025-9B77-8E80AFF45045}" dt="2021-11-12T14:29:30.975" v="240" actId="26606"/>
+          <ac:picMkLst>
+            <pc:docMk/>
+            <pc:sldMk cId="0" sldId="256"/>
+            <ac:picMk id="1026" creationId="{3A780D55-EA83-48F3-902B-0B36FD242848}"/>
+          </ac:picMkLst>
+        </pc:picChg>
+        <pc:picChg chg="add mod">
+          <ac:chgData name="Michał Woźniczak" userId="177149b3705d29c0" providerId="LiveId" clId="{85F36A6B-B469-4025-9B77-8E80AFF45045}" dt="2021-11-12T14:31:43.356" v="245" actId="1076"/>
+          <ac:picMkLst>
+            <pc:docMk/>
+            <pc:sldMk cId="0" sldId="256"/>
+            <ac:picMk id="1028" creationId="{67167E28-878C-435A-938D-19576C7657AB}"/>
+          </ac:picMkLst>
+        </pc:picChg>
+      </pc:sldChg>
       <pc:sldChg chg="modAnim">
         <pc:chgData name="Michał Woźniczak" userId="177149b3705d29c0" providerId="LiveId" clId="{85F36A6B-B469-4025-9B77-8E80AFF45045}" dt="2021-11-06T13:02:59.693" v="18"/>
         <pc:sldMkLst>
@@ -606,12 +653,28 @@
           </ac:picMkLst>
         </pc:picChg>
       </pc:sldChg>
-      <pc:sldChg chg="add">
-        <pc:chgData name="Michał Woźniczak" userId="177149b3705d29c0" providerId="LiveId" clId="{85F36A6B-B469-4025-9B77-8E80AFF45045}" dt="2021-11-06T13:48:56.784" v="79"/>
+      <pc:sldChg chg="modSp add mod">
+        <pc:chgData name="Michał Woźniczak" userId="177149b3705d29c0" providerId="LiveId" clId="{85F36A6B-B469-4025-9B77-8E80AFF45045}" dt="2021-11-12T06:15:29.860" v="237" actId="20577"/>
         <pc:sldMkLst>
           <pc:docMk/>
           <pc:sldMk cId="0" sldId="284"/>
         </pc:sldMkLst>
+        <pc:spChg chg="mod">
+          <ac:chgData name="Michał Woźniczak" userId="177149b3705d29c0" providerId="LiveId" clId="{85F36A6B-B469-4025-9B77-8E80AFF45045}" dt="2021-11-12T06:15:21.595" v="231" actId="14100"/>
+          <ac:spMkLst>
+            <pc:docMk/>
+            <pc:sldMk cId="0" sldId="284"/>
+            <ac:spMk id="8" creationId="{00000000-0000-0000-0000-000000000000}"/>
+          </ac:spMkLst>
+        </pc:spChg>
+        <pc:spChg chg="mod">
+          <ac:chgData name="Michał Woźniczak" userId="177149b3705d29c0" providerId="LiveId" clId="{85F36A6B-B469-4025-9B77-8E80AFF45045}" dt="2021-11-12T06:15:29.860" v="237" actId="20577"/>
+          <ac:spMkLst>
+            <pc:docMk/>
+            <pc:sldMk cId="0" sldId="284"/>
+            <ac:spMk id="9" creationId="{00000000-0000-0000-0000-000000000000}"/>
+          </ac:spMkLst>
+        </pc:spChg>
       </pc:sldChg>
       <pc:sldChg chg="add">
         <pc:chgData name="Michał Woźniczak" userId="177149b3705d29c0" providerId="LiveId" clId="{85F36A6B-B469-4025-9B77-8E80AFF45045}" dt="2021-11-06T13:49:33.642" v="81"/>
@@ -775,7 +838,7 @@
           <a:p>
             <a:fld id="{1D8BD707-D9CF-40AE-B4C6-C98DA3205C09}" type="datetimeFigureOut">
               <a:rPr lang="en-US"/>
-              <a:t>11/11/2021</a:t>
+              <a:t>11/12/2021</a:t>
             </a:fld>
             <a:endParaRPr lang="en-US"/>
           </a:p>
@@ -894,7 +957,7 @@
           <a:p>
             <a:fld id="{1D8BD707-D9CF-40AE-B4C6-C98DA3205C09}" type="datetimeFigureOut">
               <a:rPr lang="en-US"/>
-              <a:t>11/11/2021</a:t>
+              <a:t>11/12/2021</a:t>
             </a:fld>
             <a:endParaRPr lang="en-US"/>
           </a:p>
@@ -1076,7 +1139,7 @@
           <a:p>
             <a:fld id="{1D8BD707-D9CF-40AE-B4C6-C98DA3205C09}" type="datetimeFigureOut">
               <a:rPr lang="en-US"/>
-              <a:t>11/11/2021</a:t>
+              <a:t>11/12/2021</a:t>
             </a:fld>
             <a:endParaRPr lang="en-US"/>
           </a:p>
@@ -1290,7 +1353,7 @@
           <a:p>
             <a:fld id="{1D8BD707-D9CF-40AE-B4C6-C98DA3205C09}" type="datetimeFigureOut">
               <a:rPr lang="en-US"/>
-              <a:t>11/11/2021</a:t>
+              <a:t>11/12/2021</a:t>
             </a:fld>
             <a:endParaRPr lang="en-US"/>
           </a:p>
@@ -1438,7 +1501,7 @@
           <a:p>
             <a:fld id="{1D8BD707-D9CF-40AE-B4C6-C98DA3205C09}" type="datetimeFigureOut">
               <a:rPr lang="en-US"/>
-              <a:t>11/11/2021</a:t>
+              <a:t>11/12/2021</a:t>
             </a:fld>
             <a:endParaRPr lang="en-US"/>
           </a:p>
@@ -1557,7 +1620,7 @@
           <a:p>
             <a:fld id="{1D8BD707-D9CF-40AE-B4C6-C98DA3205C09}" type="datetimeFigureOut">
               <a:rPr lang="en-US"/>
-              <a:t>11/11/2021</a:t>
+              <a:t>11/12/2021</a:t>
             </a:fld>
             <a:endParaRPr lang="en-US"/>
           </a:p>
@@ -1748,7 +1811,7 @@
           <a:p>
             <a:fld id="{1D8BD707-D9CF-40AE-B4C6-C98DA3205C09}" type="datetimeFigureOut">
               <a:rPr lang="en-US"/>
-              <a:t>11/11/2021</a:t>
+              <a:t>11/12/2021</a:t>
             </a:fld>
             <a:endParaRPr lang="en-US"/>
           </a:p>
@@ -1928,7 +1991,7 @@
           <a:p>
             <a:fld id="{1D8BD707-D9CF-40AE-B4C6-C98DA3205C09}" type="datetimeFigureOut">
               <a:rPr lang="en-US"/>
-              <a:t>11/11/2021</a:t>
+              <a:t>11/12/2021</a:t>
             </a:fld>
             <a:endParaRPr lang="en-US"/>
           </a:p>
@@ -2147,7 +2210,7 @@
           <a:p>
             <a:fld id="{1D8BD707-D9CF-40AE-B4C6-C98DA3205C09}" type="datetimeFigureOut">
               <a:rPr lang="en-US"/>
-              <a:t>11/11/2021</a:t>
+              <a:t>11/12/2021</a:t>
             </a:fld>
             <a:endParaRPr lang="en-US"/>
           </a:p>
@@ -2300,7 +2363,7 @@
           <a:p>
             <a:fld id="{1D8BD707-D9CF-40AE-B4C6-C98DA3205C09}" type="datetimeFigureOut">
               <a:rPr lang="en-US"/>
-              <a:t>11/11/2021</a:t>
+              <a:t>11/12/2021</a:t>
             </a:fld>
             <a:endParaRPr lang="en-US"/>
           </a:p>
@@ -2530,7 +2593,7 @@
           <a:p>
             <a:fld id="{1D8BD707-D9CF-40AE-B4C6-C98DA3205C09}" type="datetimeFigureOut">
               <a:rPr lang="en-US"/>
-              <a:t>11/11/2021</a:t>
+              <a:t>11/12/2021</a:t>
             </a:fld>
             <a:endParaRPr lang="en-US"/>
           </a:p>
@@ -2909,7 +2972,7 @@
           <a:p>
             <a:fld id="{1D8BD707-D9CF-40AE-B4C6-C98DA3205C09}" type="datetimeFigureOut">
               <a:rPr lang="en-US"/>
-              <a:t>11/11/2021</a:t>
+              <a:t>11/12/2021</a:t>
             </a:fld>
             <a:endParaRPr lang="en-US"/>
           </a:p>
@@ -3117,8 +3180,19 @@
 </file>
 
 <file path=ppt/slides/slide1.xml><?xml version="1.0" encoding="utf-8"?>
-<p:sld xmlns:a="http://schemas.openxmlformats.org/drawingml/2006/main" xmlns:r="http://schemas.openxmlformats.org/officeDocument/2006/relationships" xmlns:p="http://schemas.openxmlformats.org/presentationml/2006/main" showMasterSp="0">
+<p:sld xmlns:a="http://schemas.openxmlformats.org/drawingml/2006/main" xmlns:r="http://schemas.openxmlformats.org/officeDocument/2006/relationships" xmlns:p="http://schemas.openxmlformats.org/presentationml/2006/main">
   <p:cSld>
+    <p:bg>
+      <p:bgPr>
+        <a:solidFill>
+          <a:schemeClr val="bg1">
+            <a:tint val="95000"/>
+            <a:satMod val="170000"/>
+          </a:schemeClr>
+        </a:solidFill>
+        <a:effectLst/>
+      </p:bgPr>
+    </p:bg>
     <p:spTree>
       <p:nvGrpSpPr>
         <p:cNvPr id="1" name=""/>
@@ -3141,170 +3215,146 @@
         </p:nvSpPr>
         <p:spPr>
           <a:xfrm>
-            <a:off x="735012" y="2040889"/>
-            <a:ext cx="10401935" cy="1642110"/>
+            <a:off x="7464614" y="1295403"/>
+            <a:ext cx="4087306" cy="2889114"/>
           </a:xfrm>
           <a:prstGeom prst="rect">
             <a:avLst/>
           </a:prstGeom>
         </p:spPr>
         <p:txBody>
-          <a:bodyPr vert="horz" wrap="square" lIns="0" tIns="10795" rIns="0" bIns="0" rtlCol="0">
-            <a:spAutoFit/>
+          <a:bodyPr vert="horz" lIns="91440" tIns="45720" rIns="91440" bIns="45720" rtlCol="0" anchor="b">
+            <a:normAutofit/>
           </a:bodyPr>
           <a:lstStyle/>
           <a:p>
-            <a:pPr marL="12700" marR="5080" algn="just">
+            <a:pPr marL="12700" marR="5080">
               <a:lnSpc>
-                <a:spcPts val="4280"/>
+                <a:spcPct val="90000"/>
               </a:lnSpc>
               <a:spcBef>
-                <a:spcPts val="85"/>
+                <a:spcPct val="0"/>
               </a:spcBef>
+              <a:spcAft>
+                <a:spcPts val="600"/>
+              </a:spcAft>
             </a:pPr>
             <a:r>
-              <a:rPr sz="3450" b="1" spc="-35" dirty="0">
-                <a:solidFill>
-                  <a:srgbClr val="214466"/>
-                </a:solidFill>
-                <a:latin typeface="Arial"/>
-                <a:cs typeface="Arial"/>
+              <a:rPr lang="en-US" sz="3000" b="1" spc="-35" dirty="0">
+                <a:latin typeface="+mj-lt"/>
+                <a:ea typeface="+mj-ea"/>
+                <a:cs typeface="+mj-cs"/>
               </a:rPr>
               <a:t>Taking </a:t>
             </a:r>
             <a:r>
-              <a:rPr sz="3450" b="1" spc="15" dirty="0">
-                <a:solidFill>
-                  <a:srgbClr val="214466"/>
-                </a:solidFill>
-                <a:latin typeface="Arial"/>
-                <a:cs typeface="Arial"/>
+              <a:rPr lang="en-US" sz="3000" b="1" spc="15" dirty="0">
+                <a:latin typeface="+mj-lt"/>
+                <a:ea typeface="+mj-ea"/>
+                <a:cs typeface="+mj-cs"/>
               </a:rPr>
               <a:t>a </a:t>
             </a:r>
             <a:r>
-              <a:rPr sz="3450" b="1" spc="10" dirty="0">
-                <a:solidFill>
-                  <a:srgbClr val="214466"/>
-                </a:solidFill>
-                <a:latin typeface="Arial"/>
-                <a:cs typeface="Arial"/>
+              <a:rPr lang="en-US" sz="3000" b="1" spc="10" dirty="0">
+                <a:latin typeface="+mj-lt"/>
+                <a:ea typeface="+mj-ea"/>
+                <a:cs typeface="+mj-cs"/>
               </a:rPr>
               <a:t>page from </a:t>
             </a:r>
             <a:r>
-              <a:rPr sz="3450" b="1" spc="5" dirty="0">
-                <a:solidFill>
-                  <a:srgbClr val="214466"/>
-                </a:solidFill>
-                <a:latin typeface="Arial"/>
-                <a:cs typeface="Arial"/>
+              <a:rPr lang="en-US" sz="3000" b="1" spc="5" dirty="0">
+                <a:latin typeface="+mj-lt"/>
+                <a:ea typeface="+mj-ea"/>
+                <a:cs typeface="+mj-cs"/>
               </a:rPr>
               <a:t>functional </a:t>
             </a:r>
             <a:r>
-              <a:rPr sz="3450" b="1" spc="10" dirty="0">
-                <a:solidFill>
-                  <a:srgbClr val="214466"/>
-                </a:solidFill>
-                <a:latin typeface="Arial"/>
-                <a:cs typeface="Arial"/>
+              <a:rPr lang="en-US" sz="3000" b="1" spc="10" dirty="0">
+                <a:latin typeface="+mj-lt"/>
+                <a:ea typeface="+mj-ea"/>
+                <a:cs typeface="+mj-cs"/>
               </a:rPr>
               <a:t>programming: </a:t>
             </a:r>
             <a:r>
-              <a:rPr sz="3450" b="1" spc="15" dirty="0">
-                <a:solidFill>
-                  <a:srgbClr val="214466"/>
-                </a:solidFill>
-                <a:latin typeface="Arial"/>
-                <a:cs typeface="Arial"/>
+              <a:rPr lang="en-US" sz="3000" b="1" spc="15" dirty="0">
+                <a:latin typeface="+mj-lt"/>
+                <a:ea typeface="+mj-ea"/>
+                <a:cs typeface="+mj-cs"/>
               </a:rPr>
               <a:t>how </a:t>
             </a:r>
             <a:r>
-              <a:rPr sz="3450" b="1" spc="-944" dirty="0">
-                <a:solidFill>
-                  <a:srgbClr val="214466"/>
-                </a:solidFill>
-                <a:latin typeface="Arial"/>
-                <a:cs typeface="Arial"/>
-              </a:rPr>
-              <a:t> </a:t>
-            </a:r>
-            <a:r>
-              <a:rPr sz="3450" b="1" spc="10" dirty="0">
-                <a:solidFill>
-                  <a:srgbClr val="214466"/>
-                </a:solidFill>
-                <a:latin typeface="Arial"/>
-                <a:cs typeface="Arial"/>
+              <a:rPr lang="en-US" sz="3000" b="1" spc="-944" dirty="0">
+                <a:latin typeface="+mj-lt"/>
+                <a:ea typeface="+mj-ea"/>
+                <a:cs typeface="+mj-cs"/>
+              </a:rPr>
+              <a:t> </a:t>
+            </a:r>
+            <a:r>
+              <a:rPr lang="en-US" sz="3000" b="1" spc="10" dirty="0">
+                <a:latin typeface="+mj-lt"/>
+                <a:ea typeface="+mj-ea"/>
+                <a:cs typeface="+mj-cs"/>
               </a:rPr>
               <a:t>to burn spaghetti and become </a:t>
             </a:r>
             <a:r>
-              <a:rPr sz="3450" b="1" spc="15" dirty="0">
-                <a:solidFill>
-                  <a:srgbClr val="214466"/>
-                </a:solidFill>
-                <a:latin typeface="Arial"/>
-                <a:cs typeface="Arial"/>
+              <a:rPr lang="en-US" sz="3000" b="1" spc="15" dirty="0">
+                <a:latin typeface="+mj-lt"/>
+                <a:ea typeface="+mj-ea"/>
+                <a:cs typeface="+mj-cs"/>
               </a:rPr>
               <a:t>20% </a:t>
             </a:r>
             <a:r>
-              <a:rPr sz="3450" b="1" spc="-20" dirty="0">
-                <a:solidFill>
-                  <a:srgbClr val="214466"/>
-                </a:solidFill>
-                <a:latin typeface="Arial"/>
-                <a:cs typeface="Arial"/>
+              <a:rPr lang="en-US" sz="3000" b="1" spc="-20" dirty="0">
+                <a:latin typeface="+mj-lt"/>
+                <a:ea typeface="+mj-ea"/>
+                <a:cs typeface="+mj-cs"/>
               </a:rPr>
               <a:t>cooler, </a:t>
             </a:r>
             <a:r>
-              <a:rPr sz="3450" b="1" spc="15" dirty="0">
-                <a:solidFill>
-                  <a:srgbClr val="214466"/>
-                </a:solidFill>
-                <a:latin typeface="Arial"/>
-                <a:cs typeface="Arial"/>
+              <a:rPr lang="en-US" sz="3000" b="1" spc="15" dirty="0">
+                <a:latin typeface="+mj-lt"/>
+                <a:ea typeface="+mj-ea"/>
+                <a:cs typeface="+mj-cs"/>
               </a:rPr>
               <a:t>a </a:t>
             </a:r>
             <a:r>
-              <a:rPr sz="3450" b="1" spc="10" dirty="0">
-                <a:solidFill>
-                  <a:srgbClr val="214466"/>
-                </a:solidFill>
-                <a:latin typeface="Arial"/>
-                <a:cs typeface="Arial"/>
+              <a:rPr lang="en-US" sz="3000" b="1" spc="10" dirty="0">
+                <a:latin typeface="+mj-lt"/>
+                <a:ea typeface="+mj-ea"/>
+                <a:cs typeface="+mj-cs"/>
               </a:rPr>
               <a:t>case </a:t>
             </a:r>
             <a:r>
-              <a:rPr sz="3450" b="1" spc="-944" dirty="0">
-                <a:solidFill>
-                  <a:srgbClr val="214466"/>
-                </a:solidFill>
-                <a:latin typeface="Arial"/>
-                <a:cs typeface="Arial"/>
-              </a:rPr>
-              <a:t> </a:t>
-            </a:r>
-            <a:r>
-              <a:rPr sz="3450" b="1" spc="10" dirty="0">
-                <a:solidFill>
-                  <a:srgbClr val="214466"/>
-                </a:solidFill>
-                <a:latin typeface="Arial"/>
-                <a:cs typeface="Arial"/>
+              <a:rPr lang="en-US" sz="3000" b="1" spc="-944" dirty="0">
+                <a:latin typeface="+mj-lt"/>
+                <a:ea typeface="+mj-ea"/>
+                <a:cs typeface="+mj-cs"/>
+              </a:rPr>
+              <a:t> </a:t>
+            </a:r>
+            <a:r>
+              <a:rPr lang="en-US" sz="3000" b="1" spc="10" dirty="0">
+                <a:latin typeface="+mj-lt"/>
+                <a:ea typeface="+mj-ea"/>
+                <a:cs typeface="+mj-cs"/>
               </a:rPr>
               <a:t>study</a:t>
             </a:r>
-            <a:endParaRPr sz="3450" dirty="0">
-              <a:latin typeface="Arial"/>
-              <a:cs typeface="Arial"/>
+            <a:endParaRPr lang="en-US" sz="3000" dirty="0">
+              <a:latin typeface="+mj-lt"/>
+              <a:ea typeface="+mj-ea"/>
+              <a:cs typeface="+mj-cs"/>
             </a:endParaRPr>
           </a:p>
         </p:txBody>
@@ -3317,68 +3367,316 @@
         </p:nvSpPr>
         <p:spPr>
           <a:xfrm>
-            <a:off x="735012" y="4190682"/>
-            <a:ext cx="3070860" cy="456565"/>
+            <a:off x="7464612" y="4262337"/>
+            <a:ext cx="4087305" cy="1147863"/>
           </a:xfrm>
           <a:prstGeom prst="rect">
             <a:avLst/>
           </a:prstGeom>
         </p:spPr>
         <p:txBody>
-          <a:bodyPr vert="horz" wrap="square" lIns="0" tIns="15875" rIns="0" bIns="0" rtlCol="0">
-            <a:spAutoFit/>
+          <a:bodyPr vert="horz" lIns="91440" tIns="45720" rIns="91440" bIns="45720" rtlCol="0" anchor="t">
+            <a:normAutofit/>
           </a:bodyPr>
           <a:lstStyle/>
           <a:p>
-            <a:pPr marL="12700">
+            <a:pPr>
               <a:lnSpc>
-                <a:spcPct val="100000"/>
+                <a:spcPct val="90000"/>
               </a:lnSpc>
               <a:spcBef>
-                <a:spcPts val="125"/>
+                <a:spcPts val="1000"/>
               </a:spcBef>
             </a:pPr>
             <a:r>
-              <a:rPr sz="2800" b="1" spc="10" dirty="0">
-                <a:solidFill>
-                  <a:srgbClr val="24292E"/>
-                </a:solidFill>
-                <a:latin typeface="Arial"/>
-                <a:cs typeface="Arial"/>
-              </a:rPr>
+              <a:rPr lang="en-US" sz="2000" b="1" spc="10"/>
               <a:t>Michał</a:t>
             </a:r>
             <a:r>
-              <a:rPr sz="2800" b="1" spc="-75" dirty="0">
-                <a:solidFill>
-                  <a:srgbClr val="24292E"/>
-                </a:solidFill>
-                <a:latin typeface="Arial"/>
-                <a:cs typeface="Arial"/>
-              </a:rPr>
-              <a:t> </a:t>
-            </a:r>
-            <a:r>
-              <a:rPr sz="2800" b="1" spc="5" dirty="0">
-                <a:solidFill>
-                  <a:srgbClr val="24292E"/>
-                </a:solidFill>
-                <a:latin typeface="Arial"/>
-                <a:cs typeface="Arial"/>
-              </a:rPr>
+              <a:rPr lang="en-US" sz="2000" b="1" spc="-75"/>
+              <a:t> </a:t>
+            </a:r>
+            <a:r>
+              <a:rPr lang="en-US" sz="2000" b="1" spc="5"/>
               <a:t>Woźniczak</a:t>
             </a:r>
-            <a:endParaRPr sz="2800">
-              <a:latin typeface="Arial"/>
-              <a:cs typeface="Arial"/>
-            </a:endParaRPr>
+            <a:endParaRPr lang="en-US" sz="2000"/>
           </a:p>
         </p:txBody>
       </p:sp>
+      <p:sp>
+        <p:nvSpPr>
+          <p:cNvPr id="71" name="Freeform: Shape 70">
+            <a:extLst>
+              <a:ext uri="{FF2B5EF4-FFF2-40B4-BE49-F238E27FC236}">
+                <a16:creationId xmlns:a16="http://schemas.microsoft.com/office/drawing/2014/main" id="{E49CC64F-7275-4E33-961B-0C5CDC439875}"/>
+              </a:ext>
+              <a:ext uri="{C183D7F6-B498-43B3-948B-1728B52AA6E4}">
+                <adec:decorative xmlns:adec="http://schemas.microsoft.com/office/drawing/2017/decorative" val="1"/>
+              </a:ext>
+            </a:extLst>
+          </p:cNvPr>
+          <p:cNvSpPr>
+            <a:spLocks noGrp="1" noRot="1" noChangeAspect="1" noMove="1" noResize="1" noEditPoints="1" noAdjustHandles="1" noChangeArrowheads="1" noChangeShapeType="1" noTextEdit="1"/>
+          </p:cNvSpPr>
+          <p:nvPr>
+            <p:extLst>
+              <p:ext uri="{386F3935-93C4-4BCD-93E2-E3B085C9AB24}">
+                <p16:designElem xmlns:p16="http://schemas.microsoft.com/office/powerpoint/2015/main" val="1"/>
+              </p:ext>
+            </p:extLst>
+          </p:nvPr>
+        </p:nvSpPr>
+        <p:spPr>
+          <a:xfrm flipH="1" flipV="1">
+            <a:off x="1" y="0"/>
+            <a:ext cx="7188051" cy="6858000"/>
+          </a:xfrm>
+          <a:custGeom>
+            <a:avLst/>
+            <a:gdLst>
+              <a:gd name="connsiteX0" fmla="*/ 7188051 w 7188051"/>
+              <a:gd name="connsiteY0" fmla="*/ 6858000 h 6858000"/>
+              <a:gd name="connsiteX1" fmla="*/ 108694 w 7188051"/>
+              <a:gd name="connsiteY1" fmla="*/ 6858000 h 6858000"/>
+              <a:gd name="connsiteX2" fmla="*/ 79127 w 7188051"/>
+              <a:gd name="connsiteY2" fmla="*/ 6681235 h 6858000"/>
+              <a:gd name="connsiteX3" fmla="*/ 0 w 7188051"/>
+              <a:gd name="connsiteY3" fmla="*/ 5565888 h 6858000"/>
+              <a:gd name="connsiteX4" fmla="*/ 2190696 w 7188051"/>
+              <a:gd name="connsiteY4" fmla="*/ 145339 h 6858000"/>
+              <a:gd name="connsiteX5" fmla="*/ 2339431 w 7188051"/>
+              <a:gd name="connsiteY5" fmla="*/ 0 h 6858000"/>
+              <a:gd name="connsiteX6" fmla="*/ 7188051 w 7188051"/>
+              <a:gd name="connsiteY6" fmla="*/ 0 h 6858000"/>
+            </a:gdLst>
+            <a:ahLst/>
+            <a:cxnLst>
+              <a:cxn ang="0">
+                <a:pos x="connsiteX0" y="connsiteY0"/>
+              </a:cxn>
+              <a:cxn ang="0">
+                <a:pos x="connsiteX1" y="connsiteY1"/>
+              </a:cxn>
+              <a:cxn ang="0">
+                <a:pos x="connsiteX2" y="connsiteY2"/>
+              </a:cxn>
+              <a:cxn ang="0">
+                <a:pos x="connsiteX3" y="connsiteY3"/>
+              </a:cxn>
+              <a:cxn ang="0">
+                <a:pos x="connsiteX4" y="connsiteY4"/>
+              </a:cxn>
+              <a:cxn ang="0">
+                <a:pos x="connsiteX5" y="connsiteY5"/>
+              </a:cxn>
+              <a:cxn ang="0">
+                <a:pos x="connsiteX6" y="connsiteY6"/>
+              </a:cxn>
+            </a:cxnLst>
+            <a:rect l="l" t="t" r="r" b="b"/>
+            <a:pathLst>
+              <a:path w="7188051" h="6858000">
+                <a:moveTo>
+                  <a:pt x="7188051" y="6858000"/>
+                </a:moveTo>
+                <a:lnTo>
+                  <a:pt x="108694" y="6858000"/>
+                </a:lnTo>
+                <a:lnTo>
+                  <a:pt x="79127" y="6681235"/>
+                </a:lnTo>
+                <a:cubicBezTo>
+                  <a:pt x="26981" y="6316967"/>
+                  <a:pt x="0" y="5944579"/>
+                  <a:pt x="0" y="5565888"/>
+                </a:cubicBezTo>
+                <a:cubicBezTo>
+                  <a:pt x="0" y="3459953"/>
+                  <a:pt x="834428" y="1548908"/>
+                  <a:pt x="2190696" y="145339"/>
+                </a:cubicBezTo>
+                <a:lnTo>
+                  <a:pt x="2339431" y="0"/>
+                </a:lnTo>
+                <a:lnTo>
+                  <a:pt x="7188051" y="0"/>
+                </a:lnTo>
+                <a:close/>
+              </a:path>
+            </a:pathLst>
+          </a:custGeom>
+          <a:solidFill>
+            <a:schemeClr val="tx1">
+              <a:alpha val="80000"/>
+            </a:schemeClr>
+          </a:solidFill>
+          <a:ln>
+            <a:noFill/>
+          </a:ln>
+        </p:spPr>
+        <p:style>
+          <a:lnRef idx="2">
+            <a:schemeClr val="accent1">
+              <a:shade val="50000"/>
+            </a:schemeClr>
+          </a:lnRef>
+          <a:fillRef idx="1">
+            <a:schemeClr val="accent1"/>
+          </a:fillRef>
+          <a:effectRef idx="0">
+            <a:schemeClr val="accent1"/>
+          </a:effectRef>
+          <a:fontRef idx="minor">
+            <a:schemeClr val="lt1"/>
+          </a:fontRef>
+        </p:style>
+        <p:txBody>
+          <a:bodyPr wrap="square" rtlCol="0" anchor="ctr">
+            <a:noAutofit/>
+          </a:bodyPr>
+          <a:lstStyle/>
+          <a:p>
+            <a:pPr algn="ctr"/>
+            <a:endParaRPr lang="en-US"/>
+          </a:p>
+        </p:txBody>
+      </p:sp>
+      <p:pic>
+        <p:nvPicPr>
+          <p:cNvPr id="1026" name="Picture 2">
+            <a:extLst>
+              <a:ext uri="{FF2B5EF4-FFF2-40B4-BE49-F238E27FC236}">
+                <a16:creationId xmlns:a16="http://schemas.microsoft.com/office/drawing/2014/main" id="{3A780D55-EA83-48F3-902B-0B36FD242848}"/>
+              </a:ext>
+            </a:extLst>
+          </p:cNvPr>
+          <p:cNvPicPr>
+            <a:picLocks noChangeAspect="1" noChangeArrowheads="1"/>
+          </p:cNvPicPr>
+          <p:nvPr/>
+        </p:nvPicPr>
+        <p:blipFill rotWithShape="1">
+          <a:blip r:embed="rId2">
+            <a:extLst>
+              <a:ext uri="{28A0092B-C50C-407E-A947-70E740481C1C}">
+                <a14:useLocalDpi xmlns:a14="http://schemas.microsoft.com/office/drawing/2010/main" val="0"/>
+              </a:ext>
+            </a:extLst>
+          </a:blip>
+          <a:srcRect t="1219" r="-1" b="1206"/>
+          <a:stretch/>
+        </p:blipFill>
+        <p:spPr bwMode="auto">
+          <a:xfrm>
+            <a:off x="1" y="10"/>
+            <a:ext cx="7028495" cy="6857990"/>
+          </a:xfrm>
+          <a:custGeom>
+            <a:avLst/>
+            <a:gdLst/>
+            <a:ahLst/>
+            <a:cxnLst/>
+            <a:rect l="l" t="t" r="r" b="b"/>
+            <a:pathLst>
+              <a:path w="7028495" h="6858000">
+                <a:moveTo>
+                  <a:pt x="0" y="0"/>
+                </a:moveTo>
+                <a:lnTo>
+                  <a:pt x="6915668" y="0"/>
+                </a:lnTo>
+                <a:lnTo>
+                  <a:pt x="6952411" y="219663"/>
+                </a:lnTo>
+                <a:cubicBezTo>
+                  <a:pt x="7002551" y="569921"/>
+                  <a:pt x="7028495" y="927986"/>
+                  <a:pt x="7028495" y="1292112"/>
+                </a:cubicBezTo>
+                <a:cubicBezTo>
+                  <a:pt x="7028495" y="3343346"/>
+                  <a:pt x="6205186" y="5202289"/>
+                  <a:pt x="4870994" y="6556512"/>
+                </a:cubicBezTo>
+                <a:lnTo>
+                  <a:pt x="4556185" y="6858000"/>
+                </a:lnTo>
+                <a:lnTo>
+                  <a:pt x="0" y="6858000"/>
+                </a:lnTo>
+                <a:close/>
+              </a:path>
+            </a:pathLst>
+          </a:custGeom>
+          <a:noFill/>
+          <a:extLst>
+            <a:ext uri="{909E8E84-426E-40DD-AFC4-6F175D3DCCD1}">
+              <a14:hiddenFill xmlns:a14="http://schemas.microsoft.com/office/drawing/2010/main">
+                <a:solidFill>
+                  <a:srgbClr val="FFFFFF"/>
+                </a:solidFill>
+              </a14:hiddenFill>
+            </a:ext>
+          </a:extLst>
+        </p:spPr>
+      </p:pic>
+      <p:pic>
+        <p:nvPicPr>
+          <p:cNvPr id="1028" name="Picture 4" descr="profile image">
+            <a:extLst>
+              <a:ext uri="{FF2B5EF4-FFF2-40B4-BE49-F238E27FC236}">
+                <a16:creationId xmlns:a16="http://schemas.microsoft.com/office/drawing/2014/main" id="{67167E28-878C-435A-938D-19576C7657AB}"/>
+              </a:ext>
+            </a:extLst>
+          </p:cNvPr>
+          <p:cNvPicPr>
+            <a:picLocks noChangeAspect="1" noChangeArrowheads="1"/>
+          </p:cNvPicPr>
+          <p:nvPr/>
+        </p:nvPicPr>
+        <p:blipFill>
+          <a:blip r:embed="rId3">
+            <a:extLst>
+              <a:ext uri="{28A0092B-C50C-407E-A947-70E740481C1C}">
+                <a14:useLocalDpi xmlns:a14="http://schemas.microsoft.com/office/drawing/2010/main" val="0"/>
+              </a:ext>
+            </a:extLst>
+          </a:blip>
+          <a:srcRect/>
+          <a:stretch>
+            <a:fillRect/>
+          </a:stretch>
+        </p:blipFill>
+        <p:spPr bwMode="auto">
+          <a:xfrm>
+            <a:off x="9601200" y="4488873"/>
+            <a:ext cx="2362200" cy="2362200"/>
+          </a:xfrm>
+          <a:prstGeom prst="ellipse">
+            <a:avLst/>
+          </a:prstGeom>
+          <a:ln>
+            <a:noFill/>
+          </a:ln>
+          <a:effectLst>
+            <a:softEdge rad="112500"/>
+          </a:effectLst>
+          <a:extLst>
+            <a:ext uri="{909E8E84-426E-40DD-AFC4-6F175D3DCCD1}">
+              <a14:hiddenFill xmlns:a14="http://schemas.microsoft.com/office/drawing/2010/main">
+                <a:solidFill>
+                  <a:srgbClr val="FFFFFF"/>
+                </a:solidFill>
+              </a14:hiddenFill>
+            </a:ext>
+          </a:extLst>
+        </p:spPr>
+      </p:pic>
     </p:spTree>
   </p:cSld>
   <p:clrMapOvr>
-    <a:masterClrMapping/>
+    <a:overrideClrMapping bg1="dk1" tx1="lt1" bg2="dk2" tx2="lt2" accent1="accent1" accent2="accent2" accent3="accent3" accent4="accent4" accent5="accent5" accent6="accent6" hlink="hlink" folHlink="folHlink"/>
   </p:clrMapOvr>
 </p:sld>
 </file>
@@ -10333,7 +10631,7 @@
         <p:spPr>
           <a:xfrm>
             <a:off x="1418056" y="2476658"/>
-            <a:ext cx="2349500" cy="574040"/>
+            <a:ext cx="3077744" cy="572593"/>
           </a:xfrm>
           <a:prstGeom prst="rect">
             <a:avLst/>
@@ -10414,6 +10712,16 @@
               <a:t> </a:t>
             </a:r>
             <a:r>
+              <a:rPr lang="en-US" sz="1850" spc="-5" dirty="0">
+                <a:solidFill>
+                  <a:srgbClr val="24292E"/>
+                </a:solidFill>
+                <a:latin typeface="Consolas"/>
+                <a:cs typeface="Consolas"/>
+              </a:rPr>
+              <a:t>permanent</a:t>
+            </a:r>
+            <a:r>
               <a:rPr kumimoji="0" sz="1850" b="0" i="0" u="none" strike="noStrike" kern="1200" cap="none" spc="-5" normalizeH="0" baseline="0" noProof="0" dirty="0">
                 <a:ln>
                   <a:noFill/>
@@ -10428,7 +10736,7 @@
                 <a:ea typeface="+mn-ea"/>
                 <a:cs typeface="Consolas"/>
               </a:rPr>
-              <a:t>data_failures:</a:t>
+              <a:t>_failures:</a:t>
             </a:r>
             <a:r>
               <a:rPr kumimoji="0" sz="1850" b="0" i="0" u="none" strike="noStrike" kern="1200" cap="none" spc="-35" normalizeH="0" baseline="0" noProof="0" dirty="0">
@@ -10464,7 +10772,7 @@
               </a:rPr>
               <a:t>Set</a:t>
             </a:r>
-            <a:endParaRPr kumimoji="0" sz="1850" b="0" i="0" u="none" strike="noStrike" kern="1200" cap="none" spc="0" normalizeH="0" baseline="0" noProof="0">
+            <a:endParaRPr kumimoji="0" sz="1850" b="0" i="0" u="none" strike="noStrike" kern="1200" cap="none" spc="0" normalizeH="0" baseline="0" noProof="0" dirty="0">
               <a:ln>
                 <a:noFill/>
               </a:ln>
@@ -10571,7 +10879,7 @@
               <a:t> </a:t>
             </a:r>
             <a:r>
-              <a:rPr kumimoji="0" sz="1850" b="0" i="0" u="none" strike="noStrike" kern="1200" cap="none" spc="-5" normalizeH="0" baseline="0" noProof="0" dirty="0">
+              <a:rPr kumimoji="0" lang="en-US" sz="1850" b="0" i="0" u="none" strike="noStrike" kern="1200" cap="none" spc="0" normalizeH="0" baseline="0" noProof="0" dirty="0">
                 <a:ln>
                   <a:noFill/>
                 </a:ln>
@@ -10585,10 +10893,10 @@
                 <a:ea typeface="+mn-ea"/>
                 <a:cs typeface="Consolas"/>
               </a:rPr>
-              <a:t>#</a:t>
-            </a:r>
-            <a:r>
-              <a:rPr kumimoji="0" sz="1850" b="0" i="0" u="none" strike="noStrike" kern="1200" cap="none" spc="-10" normalizeH="0" baseline="0" noProof="0" dirty="0">
+              <a:t>      </a:t>
+            </a:r>
+            <a:r>
+              <a:rPr kumimoji="0" sz="1850" b="0" i="0" u="none" strike="noStrike" kern="1200" cap="none" spc="-5" normalizeH="0" baseline="0" noProof="0" dirty="0">
                 <a:ln>
                   <a:noFill/>
                 </a:ln>
@@ -10602,10 +10910,10 @@
                 <a:ea typeface="+mn-ea"/>
                 <a:cs typeface="Consolas"/>
               </a:rPr>
-              <a:t> </a:t>
-            </a:r>
-            <a:r>
-              <a:rPr kumimoji="0" sz="1850" b="0" i="0" u="none" strike="noStrike" kern="1200" cap="none" spc="-5" normalizeH="0" baseline="0" noProof="0" dirty="0">
+              <a:t>#</a:t>
+            </a:r>
+            <a:r>
+              <a:rPr kumimoji="0" sz="1850" b="0" i="0" u="none" strike="noStrike" kern="1200" cap="none" spc="-10" normalizeH="0" baseline="0" noProof="0" dirty="0">
                 <a:ln>
                   <a:noFill/>
                 </a:ln>
@@ -10619,10 +10927,10 @@
                 <a:ea typeface="+mn-ea"/>
                 <a:cs typeface="Consolas"/>
               </a:rPr>
-              <a:t>just</a:t>
-            </a:r>
-            <a:r>
-              <a:rPr kumimoji="0" sz="1850" b="0" i="0" u="none" strike="noStrike" kern="1200" cap="none" spc="-10" normalizeH="0" baseline="0" noProof="0" dirty="0">
+              <a:t> </a:t>
+            </a:r>
+            <a:r>
+              <a:rPr kumimoji="0" sz="1850" b="0" i="0" u="none" strike="noStrike" kern="1200" cap="none" spc="-5" normalizeH="0" baseline="0" noProof="0" dirty="0">
                 <a:ln>
                   <a:noFill/>
                 </a:ln>
@@ -10636,10 +10944,10 @@
                 <a:ea typeface="+mn-ea"/>
                 <a:cs typeface="Consolas"/>
               </a:rPr>
-              <a:t> </a:t>
-            </a:r>
-            <a:r>
-              <a:rPr kumimoji="0" sz="1850" b="0" i="0" u="none" strike="noStrike" kern="1200" cap="none" spc="-5" normalizeH="0" baseline="0" noProof="0" dirty="0">
+              <a:t>just</a:t>
+            </a:r>
+            <a:r>
+              <a:rPr kumimoji="0" sz="1850" b="0" i="0" u="none" strike="noStrike" kern="1200" cap="none" spc="-10" normalizeH="0" baseline="0" noProof="0" dirty="0">
                 <a:ln>
                   <a:noFill/>
                 </a:ln>
@@ -10653,9 +10961,26 @@
                 <a:ea typeface="+mn-ea"/>
                 <a:cs typeface="Consolas"/>
               </a:rPr>
+              <a:t> </a:t>
+            </a:r>
+            <a:r>
+              <a:rPr kumimoji="0" sz="1850" b="0" i="0" u="none" strike="noStrike" kern="1200" cap="none" spc="-5" normalizeH="0" baseline="0" noProof="0" dirty="0">
+                <a:ln>
+                  <a:noFill/>
+                </a:ln>
+                <a:solidFill>
+                  <a:srgbClr val="959895"/>
+                </a:solidFill>
+                <a:effectLst/>
+                <a:uLnTx/>
+                <a:uFillTx/>
+                <a:latin typeface="Consolas"/>
+                <a:ea typeface="+mn-ea"/>
+                <a:cs typeface="Consolas"/>
+              </a:rPr>
               <a:t>regular</a:t>
             </a:r>
-            <a:endParaRPr kumimoji="0" sz="1850" b="0" i="0" u="none" strike="noStrike" kern="1200" cap="none" spc="0" normalizeH="0" baseline="0" noProof="0">
+            <a:endParaRPr kumimoji="0" sz="1850" b="0" i="0" u="none" strike="noStrike" kern="1200" cap="none" spc="0" normalizeH="0" baseline="0" noProof="0" dirty="0">
               <a:ln>
                 <a:noFill/>
               </a:ln>
